--- a/0301_RO_VS_PSO/多種類群PSO.pptx
+++ b/0301_RO_VS_PSO/多種類群PSO.pptx
@@ -116,6 +116,11 @@
       </a:defRPr>
     </a:lvl9pPr>
   </p:defaultTextStyle>
+  <p:extLst>
+    <p:ext uri="{EFAFB233-063F-42B5-8137-9DF3F51BA10A}">
+      <p15:sldGuideLst xmlns:p15="http://schemas.microsoft.com/office/powerpoint/2012/main"/>
+    </p:ext>
+  </p:extLst>
 </p:presentation>
 </file>
 
@@ -6663,8 +6668,8 @@
           </a:p>
         </p:txBody>
       </p:sp>
-      <mc:AlternateContent xmlns:mc="http://schemas.openxmlformats.org/markup-compatibility/2006">
-        <mc:Choice xmlns:a14="http://schemas.microsoft.com/office/drawing/2010/main" Requires="a14">
+      <mc:AlternateContent xmlns:mc="http://schemas.openxmlformats.org/markup-compatibility/2006" xmlns:a14="http://schemas.microsoft.com/office/drawing/2010/main">
+        <mc:Choice Requires="a14">
           <p:graphicFrame>
             <p:nvGraphicFramePr>
               <p:cNvPr id="4" name="內容版面配置區 3"/>
@@ -7221,7 +7226,7 @@
             </a:graphic>
           </p:graphicFrame>
         </mc:Choice>
-        <mc:Fallback>
+        <mc:Fallback xmlns="">
           <p:graphicFrame>
             <p:nvGraphicFramePr>
               <p:cNvPr id="4" name="內容版面配置區 3"/>
@@ -7643,8 +7648,8 @@
           </p:graphicFrame>
         </mc:Fallback>
       </mc:AlternateContent>
-      <mc:AlternateContent xmlns:mc="http://schemas.openxmlformats.org/markup-compatibility/2006">
-        <mc:Choice xmlns:a14="http://schemas.microsoft.com/office/drawing/2010/main" Requires="a14">
+      <mc:AlternateContent xmlns:mc="http://schemas.openxmlformats.org/markup-compatibility/2006" xmlns:a14="http://schemas.microsoft.com/office/drawing/2010/main">
+        <mc:Choice Requires="a14">
           <p:graphicFrame>
             <p:nvGraphicFramePr>
               <p:cNvPr id="5" name="內容版面配置區 3"/>
@@ -8057,7 +8062,7 @@
             </a:graphic>
           </p:graphicFrame>
         </mc:Choice>
-        <mc:Fallback>
+        <mc:Fallback xmlns="">
           <p:graphicFrame>
             <p:nvGraphicFramePr>
               <p:cNvPr id="5" name="內容版面配置區 3"/>
@@ -8527,32 +8532,6 @@
           <a:chExt cx="0" cy="0"/>
         </a:xfrm>
       </p:grpSpPr>
-      <p:pic>
-        <p:nvPicPr>
-          <p:cNvPr id="4" name="內容版面配置區 3"/>
-          <p:cNvPicPr>
-            <a:picLocks noGrp="1" noChangeAspect="1"/>
-          </p:cNvPicPr>
-          <p:nvPr>
-            <p:ph idx="1"/>
-          </p:nvPr>
-        </p:nvPicPr>
-        <p:blipFill>
-          <a:blip r:embed="rId2"/>
-          <a:stretch>
-            <a:fillRect/>
-          </a:stretch>
-        </p:blipFill>
-        <p:spPr>
-          <a:xfrm>
-            <a:off x="2486398" y="350583"/>
-            <a:ext cx="6866607" cy="4681109"/>
-          </a:xfrm>
-          <a:prstGeom prst="rect">
-            <a:avLst/>
-          </a:prstGeom>
-        </p:spPr>
-      </p:pic>
       <p:sp>
         <p:nvSpPr>
           <p:cNvPr id="5" name="文字方塊 4"/>
@@ -8562,7 +8541,7 @@
         <p:spPr>
           <a:xfrm>
             <a:off x="3770714" y="5312774"/>
-            <a:ext cx="4710585" cy="369332"/>
+            <a:ext cx="4588757" cy="369332"/>
           </a:xfrm>
           <a:prstGeom prst="rect">
             <a:avLst/>
@@ -8585,12 +8564,36 @@
             </a:r>
             <a:r>
               <a:rPr lang="en-US" altLang="zh-TW" dirty="0" smtClean="0"/>
-              <a:t>TEST_RMSE=44.4827</a:t>
+              <a:t>TEST_RMSE=44.465</a:t>
             </a:r>
             <a:endParaRPr lang="en-US" dirty="0"/>
           </a:p>
         </p:txBody>
       </p:sp>
+      <p:pic>
+        <p:nvPicPr>
+          <p:cNvPr id="2" name="圖片 1"/>
+          <p:cNvPicPr>
+            <a:picLocks noChangeAspect="1"/>
+          </p:cNvPicPr>
+          <p:nvPr/>
+        </p:nvPicPr>
+        <p:blipFill>
+          <a:blip r:embed="rId2"/>
+          <a:stretch>
+            <a:fillRect/>
+          </a:stretch>
+        </p:blipFill>
+        <p:spPr>
+          <a:xfrm>
+            <a:off x="2914163" y="830651"/>
+            <a:ext cx="5885434" cy="4409258"/>
+          </a:xfrm>
+          <a:prstGeom prst="rect">
+            <a:avLst/>
+          </a:prstGeom>
+        </p:spPr>
+      </p:pic>
     </p:spTree>
     <p:extLst>
       <p:ext uri="{BB962C8B-B14F-4D97-AF65-F5344CB8AC3E}">
@@ -13921,7 +13924,6 @@
               <a:rPr lang="en-US" dirty="0"/>
               <a:t>6</a:t>
             </a:r>
-            <a:endParaRPr lang="en-US" dirty="0"/>
           </a:p>
         </p:txBody>
       </p:sp>
@@ -14097,7 +14099,6 @@
               <a:rPr lang="en-US" dirty="0"/>
               <a:t>9</a:t>
             </a:r>
-            <a:endParaRPr lang="en-US" dirty="0"/>
           </a:p>
         </p:txBody>
       </p:sp>
@@ -14353,7 +14354,6 @@
               <a:rPr lang="en-US" dirty="0"/>
               <a:t>6</a:t>
             </a:r>
-            <a:endParaRPr lang="en-US" dirty="0"/>
           </a:p>
         </p:txBody>
       </p:sp>
@@ -14521,7 +14521,6 @@
               <a:rPr lang="en-US" dirty="0"/>
               <a:t>9</a:t>
             </a:r>
-            <a:endParaRPr lang="en-US" dirty="0"/>
           </a:p>
         </p:txBody>
       </p:sp>
@@ -15567,7 +15566,6 @@
               <a:rPr lang="en-US" dirty="0"/>
               <a:t>6</a:t>
             </a:r>
-            <a:endParaRPr lang="en-US" dirty="0"/>
           </a:p>
         </p:txBody>
       </p:sp>
@@ -15743,7 +15741,6 @@
               <a:rPr lang="en-US" dirty="0"/>
               <a:t>9</a:t>
             </a:r>
-            <a:endParaRPr lang="en-US" dirty="0"/>
           </a:p>
         </p:txBody>
       </p:sp>
@@ -16229,7 +16226,6 @@
               <a:rPr lang="en-US" dirty="0"/>
               <a:t>6</a:t>
             </a:r>
-            <a:endParaRPr lang="en-US" dirty="0"/>
           </a:p>
         </p:txBody>
       </p:sp>
@@ -16397,7 +16393,6 @@
               <a:rPr lang="en-US" dirty="0"/>
               <a:t>9</a:t>
             </a:r>
-            <a:endParaRPr lang="en-US" dirty="0"/>
           </a:p>
         </p:txBody>
       </p:sp>
@@ -18263,8 +18258,8 @@
           </a:p>
         </p:txBody>
       </p:sp>
-      <mc:AlternateContent xmlns:mc="http://schemas.openxmlformats.org/markup-compatibility/2006">
-        <mc:Choice xmlns:a14="http://schemas.microsoft.com/office/drawing/2010/main" Requires="a14">
+      <mc:AlternateContent xmlns:mc="http://schemas.openxmlformats.org/markup-compatibility/2006" xmlns:a14="http://schemas.microsoft.com/office/drawing/2010/main">
+        <mc:Choice Requires="a14">
           <p:sp>
             <p:nvSpPr>
               <p:cNvPr id="44" name="圓角矩形 43"/>
@@ -18370,7 +18365,7 @@
             </p:txBody>
           </p:sp>
         </mc:Choice>
-        <mc:Fallback>
+        <mc:Fallback xmlns="">
           <p:sp>
             <p:nvSpPr>
               <p:cNvPr id="44" name="圓角矩形 43"/>
@@ -18464,8 +18459,8 @@
           </a:p>
         </p:txBody>
       </p:sp>
-      <mc:AlternateContent xmlns:mc="http://schemas.openxmlformats.org/markup-compatibility/2006">
-        <mc:Choice xmlns:a14="http://schemas.microsoft.com/office/drawing/2010/main" Requires="a14">
+      <mc:AlternateContent xmlns:mc="http://schemas.openxmlformats.org/markup-compatibility/2006" xmlns:a14="http://schemas.microsoft.com/office/drawing/2010/main">
+        <mc:Choice Requires="a14">
           <p:sp>
             <p:nvSpPr>
               <p:cNvPr id="47" name="圓角矩形 46"/>
@@ -18569,7 +18564,7 @@
             </p:txBody>
           </p:sp>
         </mc:Choice>
-        <mc:Fallback>
+        <mc:Fallback xmlns="">
           <p:sp>
             <p:nvSpPr>
               <p:cNvPr id="47" name="圓角矩形 46"/>
@@ -18608,8 +18603,8 @@
           </p:sp>
         </mc:Fallback>
       </mc:AlternateContent>
-      <mc:AlternateContent xmlns:mc="http://schemas.openxmlformats.org/markup-compatibility/2006">
-        <mc:Choice xmlns:a14="http://schemas.microsoft.com/office/drawing/2010/main" Requires="a14">
+      <mc:AlternateContent xmlns:mc="http://schemas.openxmlformats.org/markup-compatibility/2006" xmlns:a14="http://schemas.microsoft.com/office/drawing/2010/main">
+        <mc:Choice Requires="a14">
           <p:sp>
             <p:nvSpPr>
               <p:cNvPr id="48" name="圓角矩形 47"/>
@@ -18758,7 +18753,7 @@
             </p:txBody>
           </p:sp>
         </mc:Choice>
-        <mc:Fallback>
+        <mc:Fallback xmlns="">
           <p:sp>
             <p:nvSpPr>
               <p:cNvPr id="48" name="圓角矩形 47"/>
